--- a/ppt 16-9/0867.弟兄姐妹主要怎.pptx
+++ b/ppt 16-9/0867.弟兄姐妹主要怎.pptx
@@ -5,7 +5,7 @@
     <p:sldMasterId id="2147483648" r:id="rId1"/>
   </p:sldMasterIdLst>
   <p:sldIdLst>
-    <p:sldId id="2175" r:id="rId2"/>
+    <p:sldId id="2176" r:id="rId2"/>
   </p:sldIdLst>
   <p:sldSz cx="12192000" cy="6858000"/>
   <p:notesSz cx="6858000" cy="9144000"/>
@@ -129,7 +129,7 @@
           <p:cNvPr id="2" name="标题 1">
             <a:extLst>
               <a:ext uri="{FF2B5EF4-FFF2-40B4-BE49-F238E27FC236}">
-                <a16:creationId xmlns:a16="http://schemas.microsoft.com/office/drawing/2014/main" id="{9E4B2331-326F-C20B-9599-7095D3D0411A}"/>
+                <a16:creationId xmlns:a16="http://schemas.microsoft.com/office/drawing/2014/main" id="{D0DC8D6A-F52C-5036-EF78-25B69A7D4BAC}"/>
               </a:ext>
             </a:extLst>
           </p:cNvPr>
@@ -166,7 +166,7 @@
           <p:cNvPr id="3" name="副标题 2">
             <a:extLst>
               <a:ext uri="{FF2B5EF4-FFF2-40B4-BE49-F238E27FC236}">
-                <a16:creationId xmlns:a16="http://schemas.microsoft.com/office/drawing/2014/main" id="{2431A6F3-C77E-B273-BF27-08711D340056}"/>
+                <a16:creationId xmlns:a16="http://schemas.microsoft.com/office/drawing/2014/main" id="{82D9C14F-C9C0-68CA-26D7-EEF6D436C7C8}"/>
               </a:ext>
             </a:extLst>
           </p:cNvPr>
@@ -236,7 +236,7 @@
           <p:cNvPr id="4" name="日期占位符 3">
             <a:extLst>
               <a:ext uri="{FF2B5EF4-FFF2-40B4-BE49-F238E27FC236}">
-                <a16:creationId xmlns:a16="http://schemas.microsoft.com/office/drawing/2014/main" id="{8E6C8C95-1A74-592E-01C6-1761B2EE5A9D}"/>
+                <a16:creationId xmlns:a16="http://schemas.microsoft.com/office/drawing/2014/main" id="{D627250B-0CBF-67B3-D607-C89FD56F63BE}"/>
               </a:ext>
             </a:extLst>
           </p:cNvPr>
@@ -252,7 +252,7 @@
           <a:bodyPr/>
           <a:lstStyle/>
           <a:p>
-            <a:fld id="{D1B2BDA5-5822-4296-AB29-55141D45D10B}" type="datetimeFigureOut">
+            <a:fld id="{5BE2BB41-60A9-438E-9C4C-2C82A90927B2}" type="datetimeFigureOut">
               <a:rPr lang="zh-CN" altLang="en-US" smtClean="0"/>
               <a:t>2024/3/10</a:t>
             </a:fld>
@@ -265,7 +265,7 @@
           <p:cNvPr id="5" name="页脚占位符 4">
             <a:extLst>
               <a:ext uri="{FF2B5EF4-FFF2-40B4-BE49-F238E27FC236}">
-                <a16:creationId xmlns:a16="http://schemas.microsoft.com/office/drawing/2014/main" id="{2FABC177-9C6B-86C0-EA72-B9BE6712C42D}"/>
+                <a16:creationId xmlns:a16="http://schemas.microsoft.com/office/drawing/2014/main" id="{8A20EF76-46D3-1986-03DB-2F1E163403F1}"/>
               </a:ext>
             </a:extLst>
           </p:cNvPr>
@@ -290,7 +290,7 @@
           <p:cNvPr id="6" name="灯片编号占位符 5">
             <a:extLst>
               <a:ext uri="{FF2B5EF4-FFF2-40B4-BE49-F238E27FC236}">
-                <a16:creationId xmlns:a16="http://schemas.microsoft.com/office/drawing/2014/main" id="{C5F1E616-57ED-6A22-634D-535C4448DA1F}"/>
+                <a16:creationId xmlns:a16="http://schemas.microsoft.com/office/drawing/2014/main" id="{562B8040-D040-ECE2-2D2D-BE59CB23ACD2}"/>
               </a:ext>
             </a:extLst>
           </p:cNvPr>
@@ -306,7 +306,7 @@
           <a:bodyPr/>
           <a:lstStyle/>
           <a:p>
-            <a:fld id="{8B0F9296-646C-453E-AE0F-3B7D9ED2A483}" type="slidenum">
+            <a:fld id="{00DE1D1F-873D-45B2-9ACD-D9F3FC26E702}" type="slidenum">
               <a:rPr lang="zh-CN" altLang="en-US" smtClean="0"/>
               <a:t>‹#›</a:t>
             </a:fld>
@@ -317,7 +317,7 @@
     </p:spTree>
     <p:extLst>
       <p:ext uri="{BB962C8B-B14F-4D97-AF65-F5344CB8AC3E}">
-        <p14:creationId xmlns:p14="http://schemas.microsoft.com/office/powerpoint/2010/main" val="2197296449"/>
+        <p14:creationId xmlns:p14="http://schemas.microsoft.com/office/powerpoint/2010/main" val="2686259599"/>
       </p:ext>
     </p:extLst>
   </p:cSld>
@@ -349,7 +349,7 @@
           <p:cNvPr id="2" name="标题 1">
             <a:extLst>
               <a:ext uri="{FF2B5EF4-FFF2-40B4-BE49-F238E27FC236}">
-                <a16:creationId xmlns:a16="http://schemas.microsoft.com/office/drawing/2014/main" id="{47C2E56F-6FC5-6B55-32F2-C1BA20190B5A}"/>
+                <a16:creationId xmlns:a16="http://schemas.microsoft.com/office/drawing/2014/main" id="{AB7912F9-0506-FC28-78FB-5D5BCADF9798}"/>
               </a:ext>
             </a:extLst>
           </p:cNvPr>
@@ -377,7 +377,7 @@
           <p:cNvPr id="3" name="竖排文字占位符 2">
             <a:extLst>
               <a:ext uri="{FF2B5EF4-FFF2-40B4-BE49-F238E27FC236}">
-                <a16:creationId xmlns:a16="http://schemas.microsoft.com/office/drawing/2014/main" id="{84878D9D-27CF-4E7D-3858-207F35ADFF94}"/>
+                <a16:creationId xmlns:a16="http://schemas.microsoft.com/office/drawing/2014/main" id="{F6842D74-9DEB-CBE2-CA4F-1664467F1616}"/>
               </a:ext>
             </a:extLst>
           </p:cNvPr>
@@ -434,7 +434,7 @@
           <p:cNvPr id="4" name="日期占位符 3">
             <a:extLst>
               <a:ext uri="{FF2B5EF4-FFF2-40B4-BE49-F238E27FC236}">
-                <a16:creationId xmlns:a16="http://schemas.microsoft.com/office/drawing/2014/main" id="{92D6B6A0-7EA6-D9CC-C113-E791E95E1B9D}"/>
+                <a16:creationId xmlns:a16="http://schemas.microsoft.com/office/drawing/2014/main" id="{425FA5BA-B10B-498B-2DE9-E9F901C56D7F}"/>
               </a:ext>
             </a:extLst>
           </p:cNvPr>
@@ -450,7 +450,7 @@
           <a:bodyPr/>
           <a:lstStyle/>
           <a:p>
-            <a:fld id="{D1B2BDA5-5822-4296-AB29-55141D45D10B}" type="datetimeFigureOut">
+            <a:fld id="{5BE2BB41-60A9-438E-9C4C-2C82A90927B2}" type="datetimeFigureOut">
               <a:rPr lang="zh-CN" altLang="en-US" smtClean="0"/>
               <a:t>2024/3/10</a:t>
             </a:fld>
@@ -463,7 +463,7 @@
           <p:cNvPr id="5" name="页脚占位符 4">
             <a:extLst>
               <a:ext uri="{FF2B5EF4-FFF2-40B4-BE49-F238E27FC236}">
-                <a16:creationId xmlns:a16="http://schemas.microsoft.com/office/drawing/2014/main" id="{1FF4C92A-F259-6C9E-A8D9-1BD211572A8D}"/>
+                <a16:creationId xmlns:a16="http://schemas.microsoft.com/office/drawing/2014/main" id="{0583A03D-B775-F152-8223-34581561FA2B}"/>
               </a:ext>
             </a:extLst>
           </p:cNvPr>
@@ -488,7 +488,7 @@
           <p:cNvPr id="6" name="灯片编号占位符 5">
             <a:extLst>
               <a:ext uri="{FF2B5EF4-FFF2-40B4-BE49-F238E27FC236}">
-                <a16:creationId xmlns:a16="http://schemas.microsoft.com/office/drawing/2014/main" id="{761594C0-B2EA-DEDE-D48D-F3B18DDAF8B9}"/>
+                <a16:creationId xmlns:a16="http://schemas.microsoft.com/office/drawing/2014/main" id="{6DF454E1-B7BF-D4DD-210D-223BB2E6502C}"/>
               </a:ext>
             </a:extLst>
           </p:cNvPr>
@@ -504,7 +504,7 @@
           <a:bodyPr/>
           <a:lstStyle/>
           <a:p>
-            <a:fld id="{8B0F9296-646C-453E-AE0F-3B7D9ED2A483}" type="slidenum">
+            <a:fld id="{00DE1D1F-873D-45B2-9ACD-D9F3FC26E702}" type="slidenum">
               <a:rPr lang="zh-CN" altLang="en-US" smtClean="0"/>
               <a:t>‹#›</a:t>
             </a:fld>
@@ -515,7 +515,7 @@
     </p:spTree>
     <p:extLst>
       <p:ext uri="{BB962C8B-B14F-4D97-AF65-F5344CB8AC3E}">
-        <p14:creationId xmlns:p14="http://schemas.microsoft.com/office/powerpoint/2010/main" val="687169611"/>
+        <p14:creationId xmlns:p14="http://schemas.microsoft.com/office/powerpoint/2010/main" val="3529849594"/>
       </p:ext>
     </p:extLst>
   </p:cSld>
@@ -547,7 +547,7 @@
           <p:cNvPr id="2" name="竖排标题 1">
             <a:extLst>
               <a:ext uri="{FF2B5EF4-FFF2-40B4-BE49-F238E27FC236}">
-                <a16:creationId xmlns:a16="http://schemas.microsoft.com/office/drawing/2014/main" id="{94267ACB-7518-E207-F6E5-4D217B776D2D}"/>
+                <a16:creationId xmlns:a16="http://schemas.microsoft.com/office/drawing/2014/main" id="{ADFB1C4D-DB84-B02A-0358-6FA4F3FFC89B}"/>
               </a:ext>
             </a:extLst>
           </p:cNvPr>
@@ -580,7 +580,7 @@
           <p:cNvPr id="3" name="竖排文字占位符 2">
             <a:extLst>
               <a:ext uri="{FF2B5EF4-FFF2-40B4-BE49-F238E27FC236}">
-                <a16:creationId xmlns:a16="http://schemas.microsoft.com/office/drawing/2014/main" id="{278D33EA-AD7A-8C81-4B65-4C2F1CCDE0FC}"/>
+                <a16:creationId xmlns:a16="http://schemas.microsoft.com/office/drawing/2014/main" id="{53877668-F454-32CA-5C80-E9D324E3AE12}"/>
               </a:ext>
             </a:extLst>
           </p:cNvPr>
@@ -642,7 +642,7 @@
           <p:cNvPr id="4" name="日期占位符 3">
             <a:extLst>
               <a:ext uri="{FF2B5EF4-FFF2-40B4-BE49-F238E27FC236}">
-                <a16:creationId xmlns:a16="http://schemas.microsoft.com/office/drawing/2014/main" id="{3D32F64E-EEFB-CA01-5101-B0D7CFF064C9}"/>
+                <a16:creationId xmlns:a16="http://schemas.microsoft.com/office/drawing/2014/main" id="{6BAD3A28-3152-CD19-3EE8-B4F3855DDDD8}"/>
               </a:ext>
             </a:extLst>
           </p:cNvPr>
@@ -658,7 +658,7 @@
           <a:bodyPr/>
           <a:lstStyle/>
           <a:p>
-            <a:fld id="{D1B2BDA5-5822-4296-AB29-55141D45D10B}" type="datetimeFigureOut">
+            <a:fld id="{5BE2BB41-60A9-438E-9C4C-2C82A90927B2}" type="datetimeFigureOut">
               <a:rPr lang="zh-CN" altLang="en-US" smtClean="0"/>
               <a:t>2024/3/10</a:t>
             </a:fld>
@@ -671,7 +671,7 @@
           <p:cNvPr id="5" name="页脚占位符 4">
             <a:extLst>
               <a:ext uri="{FF2B5EF4-FFF2-40B4-BE49-F238E27FC236}">
-                <a16:creationId xmlns:a16="http://schemas.microsoft.com/office/drawing/2014/main" id="{154E380A-7999-1793-FBEA-15C0A42C6A02}"/>
+                <a16:creationId xmlns:a16="http://schemas.microsoft.com/office/drawing/2014/main" id="{B7226DFE-4D27-CF2A-0765-FDB4D736DD15}"/>
               </a:ext>
             </a:extLst>
           </p:cNvPr>
@@ -696,7 +696,7 @@
           <p:cNvPr id="6" name="灯片编号占位符 5">
             <a:extLst>
               <a:ext uri="{FF2B5EF4-FFF2-40B4-BE49-F238E27FC236}">
-                <a16:creationId xmlns:a16="http://schemas.microsoft.com/office/drawing/2014/main" id="{084C1F80-DA15-A08B-A717-2D3A437B5972}"/>
+                <a16:creationId xmlns:a16="http://schemas.microsoft.com/office/drawing/2014/main" id="{3FC54445-53FA-E924-2F02-F215BE21D5D8}"/>
               </a:ext>
             </a:extLst>
           </p:cNvPr>
@@ -712,7 +712,7 @@
           <a:bodyPr/>
           <a:lstStyle/>
           <a:p>
-            <a:fld id="{8B0F9296-646C-453E-AE0F-3B7D9ED2A483}" type="slidenum">
+            <a:fld id="{00DE1D1F-873D-45B2-9ACD-D9F3FC26E702}" type="slidenum">
               <a:rPr lang="zh-CN" altLang="en-US" smtClean="0"/>
               <a:t>‹#›</a:t>
             </a:fld>
@@ -723,7 +723,7 @@
     </p:spTree>
     <p:extLst>
       <p:ext uri="{BB962C8B-B14F-4D97-AF65-F5344CB8AC3E}">
-        <p14:creationId xmlns:p14="http://schemas.microsoft.com/office/powerpoint/2010/main" val="3902701440"/>
+        <p14:creationId xmlns:p14="http://schemas.microsoft.com/office/powerpoint/2010/main" val="724651212"/>
       </p:ext>
     </p:extLst>
   </p:cSld>
@@ -755,7 +755,7 @@
           <p:cNvPr id="2" name="标题 1">
             <a:extLst>
               <a:ext uri="{FF2B5EF4-FFF2-40B4-BE49-F238E27FC236}">
-                <a16:creationId xmlns:a16="http://schemas.microsoft.com/office/drawing/2014/main" id="{20C993F2-E9E7-7B18-D4C2-3B935AE779DE}"/>
+                <a16:creationId xmlns:a16="http://schemas.microsoft.com/office/drawing/2014/main" id="{DE059A68-7CDC-32E7-CF9A-7561743D216D}"/>
               </a:ext>
             </a:extLst>
           </p:cNvPr>
@@ -783,7 +783,7 @@
           <p:cNvPr id="3" name="内容占位符 2">
             <a:extLst>
               <a:ext uri="{FF2B5EF4-FFF2-40B4-BE49-F238E27FC236}">
-                <a16:creationId xmlns:a16="http://schemas.microsoft.com/office/drawing/2014/main" id="{841397C6-83C4-2754-54B2-62A0720D1FBF}"/>
+                <a16:creationId xmlns:a16="http://schemas.microsoft.com/office/drawing/2014/main" id="{7F7D18AA-55C7-D936-B683-F7FD37E6B95A}"/>
               </a:ext>
             </a:extLst>
           </p:cNvPr>
@@ -840,7 +840,7 @@
           <p:cNvPr id="4" name="日期占位符 3">
             <a:extLst>
               <a:ext uri="{FF2B5EF4-FFF2-40B4-BE49-F238E27FC236}">
-                <a16:creationId xmlns:a16="http://schemas.microsoft.com/office/drawing/2014/main" id="{BDE8D862-F1D6-A2BE-5AA1-953C80B9EA90}"/>
+                <a16:creationId xmlns:a16="http://schemas.microsoft.com/office/drawing/2014/main" id="{F843B3C8-2970-CFA4-7DD9-2406C91265DD}"/>
               </a:ext>
             </a:extLst>
           </p:cNvPr>
@@ -856,7 +856,7 @@
           <a:bodyPr/>
           <a:lstStyle/>
           <a:p>
-            <a:fld id="{D1B2BDA5-5822-4296-AB29-55141D45D10B}" type="datetimeFigureOut">
+            <a:fld id="{5BE2BB41-60A9-438E-9C4C-2C82A90927B2}" type="datetimeFigureOut">
               <a:rPr lang="zh-CN" altLang="en-US" smtClean="0"/>
               <a:t>2024/3/10</a:t>
             </a:fld>
@@ -869,7 +869,7 @@
           <p:cNvPr id="5" name="页脚占位符 4">
             <a:extLst>
               <a:ext uri="{FF2B5EF4-FFF2-40B4-BE49-F238E27FC236}">
-                <a16:creationId xmlns:a16="http://schemas.microsoft.com/office/drawing/2014/main" id="{8074B938-5DE1-8BE7-41C1-46D01F7FD763}"/>
+                <a16:creationId xmlns:a16="http://schemas.microsoft.com/office/drawing/2014/main" id="{8FCE36D9-4FD7-7AAE-163E-8DDE1498876F}"/>
               </a:ext>
             </a:extLst>
           </p:cNvPr>
@@ -894,7 +894,7 @@
           <p:cNvPr id="6" name="灯片编号占位符 5">
             <a:extLst>
               <a:ext uri="{FF2B5EF4-FFF2-40B4-BE49-F238E27FC236}">
-                <a16:creationId xmlns:a16="http://schemas.microsoft.com/office/drawing/2014/main" id="{17BFF31A-E3BC-52FB-B034-FC8722384DD0}"/>
+                <a16:creationId xmlns:a16="http://schemas.microsoft.com/office/drawing/2014/main" id="{1480C7D3-ACF1-54EE-8F61-A9B3B64C4F8A}"/>
               </a:ext>
             </a:extLst>
           </p:cNvPr>
@@ -910,7 +910,7 @@
           <a:bodyPr/>
           <a:lstStyle/>
           <a:p>
-            <a:fld id="{8B0F9296-646C-453E-AE0F-3B7D9ED2A483}" type="slidenum">
+            <a:fld id="{00DE1D1F-873D-45B2-9ACD-D9F3FC26E702}" type="slidenum">
               <a:rPr lang="zh-CN" altLang="en-US" smtClean="0"/>
               <a:t>‹#›</a:t>
             </a:fld>
@@ -921,7 +921,7 @@
     </p:spTree>
     <p:extLst>
       <p:ext uri="{BB962C8B-B14F-4D97-AF65-F5344CB8AC3E}">
-        <p14:creationId xmlns:p14="http://schemas.microsoft.com/office/powerpoint/2010/main" val="1560728565"/>
+        <p14:creationId xmlns:p14="http://schemas.microsoft.com/office/powerpoint/2010/main" val="2402551049"/>
       </p:ext>
     </p:extLst>
   </p:cSld>
@@ -953,7 +953,7 @@
           <p:cNvPr id="2" name="标题 1">
             <a:extLst>
               <a:ext uri="{FF2B5EF4-FFF2-40B4-BE49-F238E27FC236}">
-                <a16:creationId xmlns:a16="http://schemas.microsoft.com/office/drawing/2014/main" id="{4B4CFAB2-64BE-5A18-3B80-FDA73AE8BBB8}"/>
+                <a16:creationId xmlns:a16="http://schemas.microsoft.com/office/drawing/2014/main" id="{2C82B144-85D2-D765-337D-C7DDFE37C8D7}"/>
               </a:ext>
             </a:extLst>
           </p:cNvPr>
@@ -990,7 +990,7 @@
           <p:cNvPr id="3" name="文本占位符 2">
             <a:extLst>
               <a:ext uri="{FF2B5EF4-FFF2-40B4-BE49-F238E27FC236}">
-                <a16:creationId xmlns:a16="http://schemas.microsoft.com/office/drawing/2014/main" id="{90DEE451-658B-C339-36A5-4797DE94A084}"/>
+                <a16:creationId xmlns:a16="http://schemas.microsoft.com/office/drawing/2014/main" id="{49036485-90BC-DD4D-862F-DECBE16C758C}"/>
               </a:ext>
             </a:extLst>
           </p:cNvPr>
@@ -1115,7 +1115,7 @@
           <p:cNvPr id="4" name="日期占位符 3">
             <a:extLst>
               <a:ext uri="{FF2B5EF4-FFF2-40B4-BE49-F238E27FC236}">
-                <a16:creationId xmlns:a16="http://schemas.microsoft.com/office/drawing/2014/main" id="{C5F55EC8-213F-BE40-7FFE-675C56B1B3C3}"/>
+                <a16:creationId xmlns:a16="http://schemas.microsoft.com/office/drawing/2014/main" id="{DB899821-89EB-5170-358D-4943DF3213A8}"/>
               </a:ext>
             </a:extLst>
           </p:cNvPr>
@@ -1131,7 +1131,7 @@
           <a:bodyPr/>
           <a:lstStyle/>
           <a:p>
-            <a:fld id="{D1B2BDA5-5822-4296-AB29-55141D45D10B}" type="datetimeFigureOut">
+            <a:fld id="{5BE2BB41-60A9-438E-9C4C-2C82A90927B2}" type="datetimeFigureOut">
               <a:rPr lang="zh-CN" altLang="en-US" smtClean="0"/>
               <a:t>2024/3/10</a:t>
             </a:fld>
@@ -1144,7 +1144,7 @@
           <p:cNvPr id="5" name="页脚占位符 4">
             <a:extLst>
               <a:ext uri="{FF2B5EF4-FFF2-40B4-BE49-F238E27FC236}">
-                <a16:creationId xmlns:a16="http://schemas.microsoft.com/office/drawing/2014/main" id="{B72D997E-35C5-34DD-A478-C152978FAADD}"/>
+                <a16:creationId xmlns:a16="http://schemas.microsoft.com/office/drawing/2014/main" id="{2CD9A6D7-DE07-0FEE-2276-993E42CC6AA1}"/>
               </a:ext>
             </a:extLst>
           </p:cNvPr>
@@ -1169,7 +1169,7 @@
           <p:cNvPr id="6" name="灯片编号占位符 5">
             <a:extLst>
               <a:ext uri="{FF2B5EF4-FFF2-40B4-BE49-F238E27FC236}">
-                <a16:creationId xmlns:a16="http://schemas.microsoft.com/office/drawing/2014/main" id="{3636DE02-EF7F-4073-7D3E-9055EDD18737}"/>
+                <a16:creationId xmlns:a16="http://schemas.microsoft.com/office/drawing/2014/main" id="{238ACB42-E826-E4A4-D9E6-AD733951FDE2}"/>
               </a:ext>
             </a:extLst>
           </p:cNvPr>
@@ -1185,7 +1185,7 @@
           <a:bodyPr/>
           <a:lstStyle/>
           <a:p>
-            <a:fld id="{8B0F9296-646C-453E-AE0F-3B7D9ED2A483}" type="slidenum">
+            <a:fld id="{00DE1D1F-873D-45B2-9ACD-D9F3FC26E702}" type="slidenum">
               <a:rPr lang="zh-CN" altLang="en-US" smtClean="0"/>
               <a:t>‹#›</a:t>
             </a:fld>
@@ -1196,7 +1196,7 @@
     </p:spTree>
     <p:extLst>
       <p:ext uri="{BB962C8B-B14F-4D97-AF65-F5344CB8AC3E}">
-        <p14:creationId xmlns:p14="http://schemas.microsoft.com/office/powerpoint/2010/main" val="4121994777"/>
+        <p14:creationId xmlns:p14="http://schemas.microsoft.com/office/powerpoint/2010/main" val="3803427065"/>
       </p:ext>
     </p:extLst>
   </p:cSld>
@@ -1228,7 +1228,7 @@
           <p:cNvPr id="2" name="标题 1">
             <a:extLst>
               <a:ext uri="{FF2B5EF4-FFF2-40B4-BE49-F238E27FC236}">
-                <a16:creationId xmlns:a16="http://schemas.microsoft.com/office/drawing/2014/main" id="{5473341D-D9CA-4C82-BF2A-7DD8B25ED192}"/>
+                <a16:creationId xmlns:a16="http://schemas.microsoft.com/office/drawing/2014/main" id="{8603BE11-884A-1BA9-45C6-E35CEE099541}"/>
               </a:ext>
             </a:extLst>
           </p:cNvPr>
@@ -1256,7 +1256,7 @@
           <p:cNvPr id="3" name="内容占位符 2">
             <a:extLst>
               <a:ext uri="{FF2B5EF4-FFF2-40B4-BE49-F238E27FC236}">
-                <a16:creationId xmlns:a16="http://schemas.microsoft.com/office/drawing/2014/main" id="{956BC5F7-2A43-179D-EC42-E08D71E504FB}"/>
+                <a16:creationId xmlns:a16="http://schemas.microsoft.com/office/drawing/2014/main" id="{706D3739-4BC2-B677-3827-05D55E3C3D8E}"/>
               </a:ext>
             </a:extLst>
           </p:cNvPr>
@@ -1318,7 +1318,7 @@
           <p:cNvPr id="4" name="内容占位符 3">
             <a:extLst>
               <a:ext uri="{FF2B5EF4-FFF2-40B4-BE49-F238E27FC236}">
-                <a16:creationId xmlns:a16="http://schemas.microsoft.com/office/drawing/2014/main" id="{C2591623-59DC-1539-8D68-C6BDC567895D}"/>
+                <a16:creationId xmlns:a16="http://schemas.microsoft.com/office/drawing/2014/main" id="{F58278C8-3D95-02FA-46BD-DF4225FC3A8E}"/>
               </a:ext>
             </a:extLst>
           </p:cNvPr>
@@ -1380,7 +1380,7 @@
           <p:cNvPr id="5" name="日期占位符 4">
             <a:extLst>
               <a:ext uri="{FF2B5EF4-FFF2-40B4-BE49-F238E27FC236}">
-                <a16:creationId xmlns:a16="http://schemas.microsoft.com/office/drawing/2014/main" id="{049BA22F-5278-8A13-787C-53637E4CEDA5}"/>
+                <a16:creationId xmlns:a16="http://schemas.microsoft.com/office/drawing/2014/main" id="{B52A25D7-84EC-7134-F26D-ADBDEE3473D3}"/>
               </a:ext>
             </a:extLst>
           </p:cNvPr>
@@ -1396,7 +1396,7 @@
           <a:bodyPr/>
           <a:lstStyle/>
           <a:p>
-            <a:fld id="{D1B2BDA5-5822-4296-AB29-55141D45D10B}" type="datetimeFigureOut">
+            <a:fld id="{5BE2BB41-60A9-438E-9C4C-2C82A90927B2}" type="datetimeFigureOut">
               <a:rPr lang="zh-CN" altLang="en-US" smtClean="0"/>
               <a:t>2024/3/10</a:t>
             </a:fld>
@@ -1409,7 +1409,7 @@
           <p:cNvPr id="6" name="页脚占位符 5">
             <a:extLst>
               <a:ext uri="{FF2B5EF4-FFF2-40B4-BE49-F238E27FC236}">
-                <a16:creationId xmlns:a16="http://schemas.microsoft.com/office/drawing/2014/main" id="{8FB56DB6-B35A-CA69-FC94-0332B1D9F563}"/>
+                <a16:creationId xmlns:a16="http://schemas.microsoft.com/office/drawing/2014/main" id="{DFFFCAE3-CEA9-7C1D-FD7F-3FF1E0EC0981}"/>
               </a:ext>
             </a:extLst>
           </p:cNvPr>
@@ -1434,7 +1434,7 @@
           <p:cNvPr id="7" name="灯片编号占位符 6">
             <a:extLst>
               <a:ext uri="{FF2B5EF4-FFF2-40B4-BE49-F238E27FC236}">
-                <a16:creationId xmlns:a16="http://schemas.microsoft.com/office/drawing/2014/main" id="{CDE52858-202B-19C8-87C3-F30542EC39B8}"/>
+                <a16:creationId xmlns:a16="http://schemas.microsoft.com/office/drawing/2014/main" id="{8E9C15AE-AFAD-A493-B330-DFE96C208CEB}"/>
               </a:ext>
             </a:extLst>
           </p:cNvPr>
@@ -1450,7 +1450,7 @@
           <a:bodyPr/>
           <a:lstStyle/>
           <a:p>
-            <a:fld id="{8B0F9296-646C-453E-AE0F-3B7D9ED2A483}" type="slidenum">
+            <a:fld id="{00DE1D1F-873D-45B2-9ACD-D9F3FC26E702}" type="slidenum">
               <a:rPr lang="zh-CN" altLang="en-US" smtClean="0"/>
               <a:t>‹#›</a:t>
             </a:fld>
@@ -1461,7 +1461,7 @@
     </p:spTree>
     <p:extLst>
       <p:ext uri="{BB962C8B-B14F-4D97-AF65-F5344CB8AC3E}">
-        <p14:creationId xmlns:p14="http://schemas.microsoft.com/office/powerpoint/2010/main" val="2078518033"/>
+        <p14:creationId xmlns:p14="http://schemas.microsoft.com/office/powerpoint/2010/main" val="2632549239"/>
       </p:ext>
     </p:extLst>
   </p:cSld>
@@ -1493,7 +1493,7 @@
           <p:cNvPr id="2" name="标题 1">
             <a:extLst>
               <a:ext uri="{FF2B5EF4-FFF2-40B4-BE49-F238E27FC236}">
-                <a16:creationId xmlns:a16="http://schemas.microsoft.com/office/drawing/2014/main" id="{CB217DD4-39F8-800C-2CBA-8660480FA8C6}"/>
+                <a16:creationId xmlns:a16="http://schemas.microsoft.com/office/drawing/2014/main" id="{D6CFC285-84A4-221A-689F-660EDDD543EF}"/>
               </a:ext>
             </a:extLst>
           </p:cNvPr>
@@ -1526,7 +1526,7 @@
           <p:cNvPr id="3" name="文本占位符 2">
             <a:extLst>
               <a:ext uri="{FF2B5EF4-FFF2-40B4-BE49-F238E27FC236}">
-                <a16:creationId xmlns:a16="http://schemas.microsoft.com/office/drawing/2014/main" id="{88605EDD-9528-4F2C-7B51-779BD60860C7}"/>
+                <a16:creationId xmlns:a16="http://schemas.microsoft.com/office/drawing/2014/main" id="{58B00670-A90C-F570-EAA2-9E63D310BAAE}"/>
               </a:ext>
             </a:extLst>
           </p:cNvPr>
@@ -1597,7 +1597,7 @@
           <p:cNvPr id="4" name="内容占位符 3">
             <a:extLst>
               <a:ext uri="{FF2B5EF4-FFF2-40B4-BE49-F238E27FC236}">
-                <a16:creationId xmlns:a16="http://schemas.microsoft.com/office/drawing/2014/main" id="{4C37566F-0858-49A0-69B0-06E76300AF60}"/>
+                <a16:creationId xmlns:a16="http://schemas.microsoft.com/office/drawing/2014/main" id="{F16A4792-733F-D00E-99E1-D47E517DD65E}"/>
               </a:ext>
             </a:extLst>
           </p:cNvPr>
@@ -1659,7 +1659,7 @@
           <p:cNvPr id="5" name="文本占位符 4">
             <a:extLst>
               <a:ext uri="{FF2B5EF4-FFF2-40B4-BE49-F238E27FC236}">
-                <a16:creationId xmlns:a16="http://schemas.microsoft.com/office/drawing/2014/main" id="{2FA73726-D095-6B93-433A-443B23A60CFA}"/>
+                <a16:creationId xmlns:a16="http://schemas.microsoft.com/office/drawing/2014/main" id="{DAE9F5E0-35ED-7F2D-2E4D-08116D287A27}"/>
               </a:ext>
             </a:extLst>
           </p:cNvPr>
@@ -1730,7 +1730,7 @@
           <p:cNvPr id="6" name="内容占位符 5">
             <a:extLst>
               <a:ext uri="{FF2B5EF4-FFF2-40B4-BE49-F238E27FC236}">
-                <a16:creationId xmlns:a16="http://schemas.microsoft.com/office/drawing/2014/main" id="{B9CB2270-270E-BE32-820F-AA12EC95E4A7}"/>
+                <a16:creationId xmlns:a16="http://schemas.microsoft.com/office/drawing/2014/main" id="{C82BBB4D-D1A9-D42D-0D62-29C2AACB9EB5}"/>
               </a:ext>
             </a:extLst>
           </p:cNvPr>
@@ -1792,7 +1792,7 @@
           <p:cNvPr id="7" name="日期占位符 6">
             <a:extLst>
               <a:ext uri="{FF2B5EF4-FFF2-40B4-BE49-F238E27FC236}">
-                <a16:creationId xmlns:a16="http://schemas.microsoft.com/office/drawing/2014/main" id="{7D7FD591-343B-D163-8B57-BCD907E06AAD}"/>
+                <a16:creationId xmlns:a16="http://schemas.microsoft.com/office/drawing/2014/main" id="{7BC28E14-1AAA-1940-164D-64AAE291B6AC}"/>
               </a:ext>
             </a:extLst>
           </p:cNvPr>
@@ -1808,7 +1808,7 @@
           <a:bodyPr/>
           <a:lstStyle/>
           <a:p>
-            <a:fld id="{D1B2BDA5-5822-4296-AB29-55141D45D10B}" type="datetimeFigureOut">
+            <a:fld id="{5BE2BB41-60A9-438E-9C4C-2C82A90927B2}" type="datetimeFigureOut">
               <a:rPr lang="zh-CN" altLang="en-US" smtClean="0"/>
               <a:t>2024/3/10</a:t>
             </a:fld>
@@ -1821,7 +1821,7 @@
           <p:cNvPr id="8" name="页脚占位符 7">
             <a:extLst>
               <a:ext uri="{FF2B5EF4-FFF2-40B4-BE49-F238E27FC236}">
-                <a16:creationId xmlns:a16="http://schemas.microsoft.com/office/drawing/2014/main" id="{679B797D-749E-15E6-3F57-403DDEA21BAB}"/>
+                <a16:creationId xmlns:a16="http://schemas.microsoft.com/office/drawing/2014/main" id="{5B449B6F-12DA-BC16-D733-7F1B7908FE14}"/>
               </a:ext>
             </a:extLst>
           </p:cNvPr>
@@ -1846,7 +1846,7 @@
           <p:cNvPr id="9" name="灯片编号占位符 8">
             <a:extLst>
               <a:ext uri="{FF2B5EF4-FFF2-40B4-BE49-F238E27FC236}">
-                <a16:creationId xmlns:a16="http://schemas.microsoft.com/office/drawing/2014/main" id="{C7113FE1-8360-180D-63E4-9271AAE92C19}"/>
+                <a16:creationId xmlns:a16="http://schemas.microsoft.com/office/drawing/2014/main" id="{E102C0A7-20DA-D7AE-239A-F9EE8D401CF4}"/>
               </a:ext>
             </a:extLst>
           </p:cNvPr>
@@ -1862,7 +1862,7 @@
           <a:bodyPr/>
           <a:lstStyle/>
           <a:p>
-            <a:fld id="{8B0F9296-646C-453E-AE0F-3B7D9ED2A483}" type="slidenum">
+            <a:fld id="{00DE1D1F-873D-45B2-9ACD-D9F3FC26E702}" type="slidenum">
               <a:rPr lang="zh-CN" altLang="en-US" smtClean="0"/>
               <a:t>‹#›</a:t>
             </a:fld>
@@ -1873,7 +1873,7 @@
     </p:spTree>
     <p:extLst>
       <p:ext uri="{BB962C8B-B14F-4D97-AF65-F5344CB8AC3E}">
-        <p14:creationId xmlns:p14="http://schemas.microsoft.com/office/powerpoint/2010/main" val="1393888140"/>
+        <p14:creationId xmlns:p14="http://schemas.microsoft.com/office/powerpoint/2010/main" val="91930640"/>
       </p:ext>
     </p:extLst>
   </p:cSld>
@@ -1905,7 +1905,7 @@
           <p:cNvPr id="2" name="标题 1">
             <a:extLst>
               <a:ext uri="{FF2B5EF4-FFF2-40B4-BE49-F238E27FC236}">
-                <a16:creationId xmlns:a16="http://schemas.microsoft.com/office/drawing/2014/main" id="{9E237F33-0035-679B-7A64-921C2E713259}"/>
+                <a16:creationId xmlns:a16="http://schemas.microsoft.com/office/drawing/2014/main" id="{B464A715-1D71-562E-CA9A-F1F2C772DFFB}"/>
               </a:ext>
             </a:extLst>
           </p:cNvPr>
@@ -1933,7 +1933,7 @@
           <p:cNvPr id="3" name="日期占位符 2">
             <a:extLst>
               <a:ext uri="{FF2B5EF4-FFF2-40B4-BE49-F238E27FC236}">
-                <a16:creationId xmlns:a16="http://schemas.microsoft.com/office/drawing/2014/main" id="{FD76CBF2-122B-A03B-A1C5-D6D952439D75}"/>
+                <a16:creationId xmlns:a16="http://schemas.microsoft.com/office/drawing/2014/main" id="{37EA3AA8-ACEC-60AD-4AB8-507FE0BD1596}"/>
               </a:ext>
             </a:extLst>
           </p:cNvPr>
@@ -1949,7 +1949,7 @@
           <a:bodyPr/>
           <a:lstStyle/>
           <a:p>
-            <a:fld id="{D1B2BDA5-5822-4296-AB29-55141D45D10B}" type="datetimeFigureOut">
+            <a:fld id="{5BE2BB41-60A9-438E-9C4C-2C82A90927B2}" type="datetimeFigureOut">
               <a:rPr lang="zh-CN" altLang="en-US" smtClean="0"/>
               <a:t>2024/3/10</a:t>
             </a:fld>
@@ -1962,7 +1962,7 @@
           <p:cNvPr id="4" name="页脚占位符 3">
             <a:extLst>
               <a:ext uri="{FF2B5EF4-FFF2-40B4-BE49-F238E27FC236}">
-                <a16:creationId xmlns:a16="http://schemas.microsoft.com/office/drawing/2014/main" id="{55BD7ED4-8E13-25B5-5E6F-0427800B9794}"/>
+                <a16:creationId xmlns:a16="http://schemas.microsoft.com/office/drawing/2014/main" id="{88D06C3F-1C30-3E06-283A-3B9149E5C233}"/>
               </a:ext>
             </a:extLst>
           </p:cNvPr>
@@ -1987,7 +1987,7 @@
           <p:cNvPr id="5" name="灯片编号占位符 4">
             <a:extLst>
               <a:ext uri="{FF2B5EF4-FFF2-40B4-BE49-F238E27FC236}">
-                <a16:creationId xmlns:a16="http://schemas.microsoft.com/office/drawing/2014/main" id="{4D3A0C5B-E746-83D2-5FF8-4E49B9315203}"/>
+                <a16:creationId xmlns:a16="http://schemas.microsoft.com/office/drawing/2014/main" id="{9BC1C6C5-7A24-A065-007E-E3EAE48A5955}"/>
               </a:ext>
             </a:extLst>
           </p:cNvPr>
@@ -2003,7 +2003,7 @@
           <a:bodyPr/>
           <a:lstStyle/>
           <a:p>
-            <a:fld id="{8B0F9296-646C-453E-AE0F-3B7D9ED2A483}" type="slidenum">
+            <a:fld id="{00DE1D1F-873D-45B2-9ACD-D9F3FC26E702}" type="slidenum">
               <a:rPr lang="zh-CN" altLang="en-US" smtClean="0"/>
               <a:t>‹#›</a:t>
             </a:fld>
@@ -2014,7 +2014,7 @@
     </p:spTree>
     <p:extLst>
       <p:ext uri="{BB962C8B-B14F-4D97-AF65-F5344CB8AC3E}">
-        <p14:creationId xmlns:p14="http://schemas.microsoft.com/office/powerpoint/2010/main" val="1935760389"/>
+        <p14:creationId xmlns:p14="http://schemas.microsoft.com/office/powerpoint/2010/main" val="1437448378"/>
       </p:ext>
     </p:extLst>
   </p:cSld>
@@ -2046,7 +2046,7 @@
           <p:cNvPr id="2" name="日期占位符 1">
             <a:extLst>
               <a:ext uri="{FF2B5EF4-FFF2-40B4-BE49-F238E27FC236}">
-                <a16:creationId xmlns:a16="http://schemas.microsoft.com/office/drawing/2014/main" id="{B185C3D3-11A5-CA8D-CC0B-1B5F7985F6E6}"/>
+                <a16:creationId xmlns:a16="http://schemas.microsoft.com/office/drawing/2014/main" id="{16A16659-55BA-FA7E-FBCF-D63E1D72C145}"/>
               </a:ext>
             </a:extLst>
           </p:cNvPr>
@@ -2062,7 +2062,7 @@
           <a:bodyPr/>
           <a:lstStyle/>
           <a:p>
-            <a:fld id="{D1B2BDA5-5822-4296-AB29-55141D45D10B}" type="datetimeFigureOut">
+            <a:fld id="{5BE2BB41-60A9-438E-9C4C-2C82A90927B2}" type="datetimeFigureOut">
               <a:rPr lang="zh-CN" altLang="en-US" smtClean="0"/>
               <a:t>2024/3/10</a:t>
             </a:fld>
@@ -2075,7 +2075,7 @@
           <p:cNvPr id="3" name="页脚占位符 2">
             <a:extLst>
               <a:ext uri="{FF2B5EF4-FFF2-40B4-BE49-F238E27FC236}">
-                <a16:creationId xmlns:a16="http://schemas.microsoft.com/office/drawing/2014/main" id="{048EA1F0-2142-0E80-349B-3CEC3199D60F}"/>
+                <a16:creationId xmlns:a16="http://schemas.microsoft.com/office/drawing/2014/main" id="{63B9EE71-D4D4-0582-EACF-B7F1424616A0}"/>
               </a:ext>
             </a:extLst>
           </p:cNvPr>
@@ -2100,7 +2100,7 @@
           <p:cNvPr id="4" name="灯片编号占位符 3">
             <a:extLst>
               <a:ext uri="{FF2B5EF4-FFF2-40B4-BE49-F238E27FC236}">
-                <a16:creationId xmlns:a16="http://schemas.microsoft.com/office/drawing/2014/main" id="{636C7137-CF2F-1D42-E939-02F01AC6DF7E}"/>
+                <a16:creationId xmlns:a16="http://schemas.microsoft.com/office/drawing/2014/main" id="{128E81E5-179F-13F6-CF7A-1D531BC54E68}"/>
               </a:ext>
             </a:extLst>
           </p:cNvPr>
@@ -2116,7 +2116,7 @@
           <a:bodyPr/>
           <a:lstStyle/>
           <a:p>
-            <a:fld id="{8B0F9296-646C-453E-AE0F-3B7D9ED2A483}" type="slidenum">
+            <a:fld id="{00DE1D1F-873D-45B2-9ACD-D9F3FC26E702}" type="slidenum">
               <a:rPr lang="zh-CN" altLang="en-US" smtClean="0"/>
               <a:t>‹#›</a:t>
             </a:fld>
@@ -2127,7 +2127,7 @@
     </p:spTree>
     <p:extLst>
       <p:ext uri="{BB962C8B-B14F-4D97-AF65-F5344CB8AC3E}">
-        <p14:creationId xmlns:p14="http://schemas.microsoft.com/office/powerpoint/2010/main" val="762694115"/>
+        <p14:creationId xmlns:p14="http://schemas.microsoft.com/office/powerpoint/2010/main" val="1117095518"/>
       </p:ext>
     </p:extLst>
   </p:cSld>
@@ -2159,7 +2159,7 @@
           <p:cNvPr id="2" name="标题 1">
             <a:extLst>
               <a:ext uri="{FF2B5EF4-FFF2-40B4-BE49-F238E27FC236}">
-                <a16:creationId xmlns:a16="http://schemas.microsoft.com/office/drawing/2014/main" id="{C7C50D39-B1A0-29C8-2762-F3E9AF992123}"/>
+                <a16:creationId xmlns:a16="http://schemas.microsoft.com/office/drawing/2014/main" id="{7E814EFD-7332-0051-CD80-79A3C5C3900B}"/>
               </a:ext>
             </a:extLst>
           </p:cNvPr>
@@ -2196,7 +2196,7 @@
           <p:cNvPr id="3" name="内容占位符 2">
             <a:extLst>
               <a:ext uri="{FF2B5EF4-FFF2-40B4-BE49-F238E27FC236}">
-                <a16:creationId xmlns:a16="http://schemas.microsoft.com/office/drawing/2014/main" id="{9A04BB4C-CC87-2EE3-2467-BE2FB76558A3}"/>
+                <a16:creationId xmlns:a16="http://schemas.microsoft.com/office/drawing/2014/main" id="{43F525BE-6B4B-156F-6579-60119C3A43AF}"/>
               </a:ext>
             </a:extLst>
           </p:cNvPr>
@@ -2286,7 +2286,7 @@
           <p:cNvPr id="4" name="文本占位符 3">
             <a:extLst>
               <a:ext uri="{FF2B5EF4-FFF2-40B4-BE49-F238E27FC236}">
-                <a16:creationId xmlns:a16="http://schemas.microsoft.com/office/drawing/2014/main" id="{CC32206E-E862-B5B3-AFB0-E65B4D36CE65}"/>
+                <a16:creationId xmlns:a16="http://schemas.microsoft.com/office/drawing/2014/main" id="{10DF3B0D-7DBB-F58B-34CF-55CBCE92DD82}"/>
               </a:ext>
             </a:extLst>
           </p:cNvPr>
@@ -2357,7 +2357,7 @@
           <p:cNvPr id="5" name="日期占位符 4">
             <a:extLst>
               <a:ext uri="{FF2B5EF4-FFF2-40B4-BE49-F238E27FC236}">
-                <a16:creationId xmlns:a16="http://schemas.microsoft.com/office/drawing/2014/main" id="{004B41F7-70DC-F465-848D-49D5EC4D059C}"/>
+                <a16:creationId xmlns:a16="http://schemas.microsoft.com/office/drawing/2014/main" id="{1E6147D5-7FF8-4665-E5F9-DBFB7D371804}"/>
               </a:ext>
             </a:extLst>
           </p:cNvPr>
@@ -2373,7 +2373,7 @@
           <a:bodyPr/>
           <a:lstStyle/>
           <a:p>
-            <a:fld id="{D1B2BDA5-5822-4296-AB29-55141D45D10B}" type="datetimeFigureOut">
+            <a:fld id="{5BE2BB41-60A9-438E-9C4C-2C82A90927B2}" type="datetimeFigureOut">
               <a:rPr lang="zh-CN" altLang="en-US" smtClean="0"/>
               <a:t>2024/3/10</a:t>
             </a:fld>
@@ -2386,7 +2386,7 @@
           <p:cNvPr id="6" name="页脚占位符 5">
             <a:extLst>
               <a:ext uri="{FF2B5EF4-FFF2-40B4-BE49-F238E27FC236}">
-                <a16:creationId xmlns:a16="http://schemas.microsoft.com/office/drawing/2014/main" id="{23159459-912C-3EFC-8333-A398050135BA}"/>
+                <a16:creationId xmlns:a16="http://schemas.microsoft.com/office/drawing/2014/main" id="{2188F4DC-AD83-1E5A-6A9C-A7BD704EFFF3}"/>
               </a:ext>
             </a:extLst>
           </p:cNvPr>
@@ -2411,7 +2411,7 @@
           <p:cNvPr id="7" name="灯片编号占位符 6">
             <a:extLst>
               <a:ext uri="{FF2B5EF4-FFF2-40B4-BE49-F238E27FC236}">
-                <a16:creationId xmlns:a16="http://schemas.microsoft.com/office/drawing/2014/main" id="{91C8F47F-4F37-E08D-3B4D-9DCA4F88F2D0}"/>
+                <a16:creationId xmlns:a16="http://schemas.microsoft.com/office/drawing/2014/main" id="{AF8303D6-6A02-52AB-DC8D-1EA6030CD00B}"/>
               </a:ext>
             </a:extLst>
           </p:cNvPr>
@@ -2427,7 +2427,7 @@
           <a:bodyPr/>
           <a:lstStyle/>
           <a:p>
-            <a:fld id="{8B0F9296-646C-453E-AE0F-3B7D9ED2A483}" type="slidenum">
+            <a:fld id="{00DE1D1F-873D-45B2-9ACD-D9F3FC26E702}" type="slidenum">
               <a:rPr lang="zh-CN" altLang="en-US" smtClean="0"/>
               <a:t>‹#›</a:t>
             </a:fld>
@@ -2438,7 +2438,7 @@
     </p:spTree>
     <p:extLst>
       <p:ext uri="{BB962C8B-B14F-4D97-AF65-F5344CB8AC3E}">
-        <p14:creationId xmlns:p14="http://schemas.microsoft.com/office/powerpoint/2010/main" val="2060485774"/>
+        <p14:creationId xmlns:p14="http://schemas.microsoft.com/office/powerpoint/2010/main" val="1073532491"/>
       </p:ext>
     </p:extLst>
   </p:cSld>
@@ -2470,7 +2470,7 @@
           <p:cNvPr id="2" name="标题 1">
             <a:extLst>
               <a:ext uri="{FF2B5EF4-FFF2-40B4-BE49-F238E27FC236}">
-                <a16:creationId xmlns:a16="http://schemas.microsoft.com/office/drawing/2014/main" id="{4E397D6A-04D3-9EF1-27B7-DA5C688DD1A9}"/>
+                <a16:creationId xmlns:a16="http://schemas.microsoft.com/office/drawing/2014/main" id="{134B7239-22A8-4407-7A31-13F62DCD8C23}"/>
               </a:ext>
             </a:extLst>
           </p:cNvPr>
@@ -2507,7 +2507,7 @@
           <p:cNvPr id="3" name="图片占位符 2">
             <a:extLst>
               <a:ext uri="{FF2B5EF4-FFF2-40B4-BE49-F238E27FC236}">
-                <a16:creationId xmlns:a16="http://schemas.microsoft.com/office/drawing/2014/main" id="{257966A1-AA69-2780-5C3E-A170FC58C93A}"/>
+                <a16:creationId xmlns:a16="http://schemas.microsoft.com/office/drawing/2014/main" id="{78ECADDC-85D5-E09E-040B-01EC95128C35}"/>
               </a:ext>
             </a:extLst>
           </p:cNvPr>
@@ -2574,7 +2574,7 @@
           <p:cNvPr id="4" name="文本占位符 3">
             <a:extLst>
               <a:ext uri="{FF2B5EF4-FFF2-40B4-BE49-F238E27FC236}">
-                <a16:creationId xmlns:a16="http://schemas.microsoft.com/office/drawing/2014/main" id="{259B54BA-A83D-7CEC-C3AB-C4908A01B773}"/>
+                <a16:creationId xmlns:a16="http://schemas.microsoft.com/office/drawing/2014/main" id="{01A047CA-C955-A806-C561-879D45143D05}"/>
               </a:ext>
             </a:extLst>
           </p:cNvPr>
@@ -2645,7 +2645,7 @@
           <p:cNvPr id="5" name="日期占位符 4">
             <a:extLst>
               <a:ext uri="{FF2B5EF4-FFF2-40B4-BE49-F238E27FC236}">
-                <a16:creationId xmlns:a16="http://schemas.microsoft.com/office/drawing/2014/main" id="{F91496A1-AFEB-6A5E-1B12-8162F6B88426}"/>
+                <a16:creationId xmlns:a16="http://schemas.microsoft.com/office/drawing/2014/main" id="{7289D432-73BA-85E6-0357-C8FCB2CB88ED}"/>
               </a:ext>
             </a:extLst>
           </p:cNvPr>
@@ -2661,7 +2661,7 @@
           <a:bodyPr/>
           <a:lstStyle/>
           <a:p>
-            <a:fld id="{D1B2BDA5-5822-4296-AB29-55141D45D10B}" type="datetimeFigureOut">
+            <a:fld id="{5BE2BB41-60A9-438E-9C4C-2C82A90927B2}" type="datetimeFigureOut">
               <a:rPr lang="zh-CN" altLang="en-US" smtClean="0"/>
               <a:t>2024/3/10</a:t>
             </a:fld>
@@ -2674,7 +2674,7 @@
           <p:cNvPr id="6" name="页脚占位符 5">
             <a:extLst>
               <a:ext uri="{FF2B5EF4-FFF2-40B4-BE49-F238E27FC236}">
-                <a16:creationId xmlns:a16="http://schemas.microsoft.com/office/drawing/2014/main" id="{15A8719E-5AF6-6FD7-59C2-329DC34E24D4}"/>
+                <a16:creationId xmlns:a16="http://schemas.microsoft.com/office/drawing/2014/main" id="{D9C31BC9-C975-1255-D9A1-5E95921BF4BE}"/>
               </a:ext>
             </a:extLst>
           </p:cNvPr>
@@ -2699,7 +2699,7 @@
           <p:cNvPr id="7" name="灯片编号占位符 6">
             <a:extLst>
               <a:ext uri="{FF2B5EF4-FFF2-40B4-BE49-F238E27FC236}">
-                <a16:creationId xmlns:a16="http://schemas.microsoft.com/office/drawing/2014/main" id="{E43938EB-22FA-2B3C-3CE8-012C55D51C8F}"/>
+                <a16:creationId xmlns:a16="http://schemas.microsoft.com/office/drawing/2014/main" id="{019021D2-5F3C-6FFB-6D2B-165B5E7A6A2A}"/>
               </a:ext>
             </a:extLst>
           </p:cNvPr>
@@ -2715,7 +2715,7 @@
           <a:bodyPr/>
           <a:lstStyle/>
           <a:p>
-            <a:fld id="{8B0F9296-646C-453E-AE0F-3B7D9ED2A483}" type="slidenum">
+            <a:fld id="{00DE1D1F-873D-45B2-9ACD-D9F3FC26E702}" type="slidenum">
               <a:rPr lang="zh-CN" altLang="en-US" smtClean="0"/>
               <a:t>‹#›</a:t>
             </a:fld>
@@ -2726,7 +2726,7 @@
     </p:spTree>
     <p:extLst>
       <p:ext uri="{BB962C8B-B14F-4D97-AF65-F5344CB8AC3E}">
-        <p14:creationId xmlns:p14="http://schemas.microsoft.com/office/powerpoint/2010/main" val="175664222"/>
+        <p14:creationId xmlns:p14="http://schemas.microsoft.com/office/powerpoint/2010/main" val="1178437649"/>
       </p:ext>
     </p:extLst>
   </p:cSld>
@@ -2763,7 +2763,7 @@
           <p:cNvPr id="2" name="标题占位符 1">
             <a:extLst>
               <a:ext uri="{FF2B5EF4-FFF2-40B4-BE49-F238E27FC236}">
-                <a16:creationId xmlns:a16="http://schemas.microsoft.com/office/drawing/2014/main" id="{C8009466-B7F1-81E3-71DF-0D5639FB7507}"/>
+                <a16:creationId xmlns:a16="http://schemas.microsoft.com/office/drawing/2014/main" id="{471D43EF-967C-BF5D-EC3C-4E820A891E4C}"/>
               </a:ext>
             </a:extLst>
           </p:cNvPr>
@@ -2801,7 +2801,7 @@
           <p:cNvPr id="3" name="文本占位符 2">
             <a:extLst>
               <a:ext uri="{FF2B5EF4-FFF2-40B4-BE49-F238E27FC236}">
-                <a16:creationId xmlns:a16="http://schemas.microsoft.com/office/drawing/2014/main" id="{D7123CE4-57EC-1A08-C373-32A406622FCB}"/>
+                <a16:creationId xmlns:a16="http://schemas.microsoft.com/office/drawing/2014/main" id="{57D621B8-F4EC-F673-BBAF-25070906A542}"/>
               </a:ext>
             </a:extLst>
           </p:cNvPr>
@@ -2868,7 +2868,7 @@
           <p:cNvPr id="4" name="日期占位符 3">
             <a:extLst>
               <a:ext uri="{FF2B5EF4-FFF2-40B4-BE49-F238E27FC236}">
-                <a16:creationId xmlns:a16="http://schemas.microsoft.com/office/drawing/2014/main" id="{9808D15E-6555-CBC0-90D4-6BC41879F107}"/>
+                <a16:creationId xmlns:a16="http://schemas.microsoft.com/office/drawing/2014/main" id="{D18C9D9C-A261-26DB-9A9B-1387C3E3C0BB}"/>
               </a:ext>
             </a:extLst>
           </p:cNvPr>
@@ -2902,7 +2902,7 @@
             </a:lvl1pPr>
           </a:lstStyle>
           <a:p>
-            <a:fld id="{D1B2BDA5-5822-4296-AB29-55141D45D10B}" type="datetimeFigureOut">
+            <a:fld id="{5BE2BB41-60A9-438E-9C4C-2C82A90927B2}" type="datetimeFigureOut">
               <a:rPr lang="zh-CN" altLang="en-US" smtClean="0"/>
               <a:t>2024/3/10</a:t>
             </a:fld>
@@ -2915,7 +2915,7 @@
           <p:cNvPr id="5" name="页脚占位符 4">
             <a:extLst>
               <a:ext uri="{FF2B5EF4-FFF2-40B4-BE49-F238E27FC236}">
-                <a16:creationId xmlns:a16="http://schemas.microsoft.com/office/drawing/2014/main" id="{34FE9152-E29E-D6CC-5DDC-B06282A1ADB5}"/>
+                <a16:creationId xmlns:a16="http://schemas.microsoft.com/office/drawing/2014/main" id="{BAE4AE9D-D2C1-4230-95DF-52D35ED7082C}"/>
               </a:ext>
             </a:extLst>
           </p:cNvPr>
@@ -2958,7 +2958,7 @@
           <p:cNvPr id="6" name="灯片编号占位符 5">
             <a:extLst>
               <a:ext uri="{FF2B5EF4-FFF2-40B4-BE49-F238E27FC236}">
-                <a16:creationId xmlns:a16="http://schemas.microsoft.com/office/drawing/2014/main" id="{51FD1F93-36F5-70EF-BCAD-BD81B8DD8AE1}"/>
+                <a16:creationId xmlns:a16="http://schemas.microsoft.com/office/drawing/2014/main" id="{8FEBBD26-2483-8846-D452-C22F4F52E3CA}"/>
               </a:ext>
             </a:extLst>
           </p:cNvPr>
@@ -2992,7 +2992,7 @@
             </a:lvl1pPr>
           </a:lstStyle>
           <a:p>
-            <a:fld id="{8B0F9296-646C-453E-AE0F-3B7D9ED2A483}" type="slidenum">
+            <a:fld id="{00DE1D1F-873D-45B2-9ACD-D9F3FC26E702}" type="slidenum">
               <a:rPr lang="zh-CN" altLang="en-US" smtClean="0"/>
               <a:t>‹#›</a:t>
             </a:fld>
@@ -3003,7 +3003,7 @@
     </p:spTree>
     <p:extLst>
       <p:ext uri="{BB962C8B-B14F-4D97-AF65-F5344CB8AC3E}">
-        <p14:creationId xmlns:p14="http://schemas.microsoft.com/office/powerpoint/2010/main" val="3341585054"/>
+        <p14:creationId xmlns:p14="http://schemas.microsoft.com/office/powerpoint/2010/main" val="2543119325"/>
       </p:ext>
     </p:extLst>
   </p:cSld>
@@ -3323,7 +3323,7 @@
       </p:grpSpPr>
       <p:pic>
         <p:nvPicPr>
-          <p:cNvPr id="887810" name="Picture 2" descr="866"/>
+          <p:cNvPr id="888834" name="Picture 2" descr="867"/>
           <p:cNvPicPr>
             <a:picLocks noChangeAspect="1" noChangeArrowheads="1"/>
           </p:cNvPicPr>
